--- a/docs/Figure/figure-arboresence.pptx
+++ b/docs/Figure/figure-arboresence.pptx
@@ -104,6 +104,11 @@
       </a:defRPr>
     </a:lvl9pPr>
   </p:defaultTextStyle>
+  <p:extLst>
+    <p:ext uri="{EFAFB233-063F-42B5-8137-9DF3F51BA10A}">
+      <p15:sldGuideLst xmlns:p15="http://schemas.microsoft.com/office/powerpoint/2012/main"/>
+    </p:ext>
+  </p:extLst>
 </p:presentation>
 </file>
 
@@ -238,7 +243,7 @@
           <a:p>
             <a:fld id="{A38063CF-C432-401A-A6E3-D452963B02E3}" type="datetimeFigureOut">
               <a:rPr lang="fr-CH" smtClean="0"/>
-              <a:t>04.05.2018</a:t>
+              <a:t>12.05.2018</a:t>
             </a:fld>
             <a:endParaRPr lang="fr-CH"/>
           </a:p>
@@ -408,7 +413,7 @@
           <a:p>
             <a:fld id="{A38063CF-C432-401A-A6E3-D452963B02E3}" type="datetimeFigureOut">
               <a:rPr lang="fr-CH" smtClean="0"/>
-              <a:t>04.05.2018</a:t>
+              <a:t>12.05.2018</a:t>
             </a:fld>
             <a:endParaRPr lang="fr-CH"/>
           </a:p>
@@ -588,7 +593,7 @@
           <a:p>
             <a:fld id="{A38063CF-C432-401A-A6E3-D452963B02E3}" type="datetimeFigureOut">
               <a:rPr lang="fr-CH" smtClean="0"/>
-              <a:t>04.05.2018</a:t>
+              <a:t>12.05.2018</a:t>
             </a:fld>
             <a:endParaRPr lang="fr-CH"/>
           </a:p>
@@ -758,7 +763,7 @@
           <a:p>
             <a:fld id="{A38063CF-C432-401A-A6E3-D452963B02E3}" type="datetimeFigureOut">
               <a:rPr lang="fr-CH" smtClean="0"/>
-              <a:t>04.05.2018</a:t>
+              <a:t>12.05.2018</a:t>
             </a:fld>
             <a:endParaRPr lang="fr-CH"/>
           </a:p>
@@ -1004,7 +1009,7 @@
           <a:p>
             <a:fld id="{A38063CF-C432-401A-A6E3-D452963B02E3}" type="datetimeFigureOut">
               <a:rPr lang="fr-CH" smtClean="0"/>
-              <a:t>04.05.2018</a:t>
+              <a:t>12.05.2018</a:t>
             </a:fld>
             <a:endParaRPr lang="fr-CH"/>
           </a:p>
@@ -1236,7 +1241,7 @@
           <a:p>
             <a:fld id="{A38063CF-C432-401A-A6E3-D452963B02E3}" type="datetimeFigureOut">
               <a:rPr lang="fr-CH" smtClean="0"/>
-              <a:t>04.05.2018</a:t>
+              <a:t>12.05.2018</a:t>
             </a:fld>
             <a:endParaRPr lang="fr-CH"/>
           </a:p>
@@ -1603,7 +1608,7 @@
           <a:p>
             <a:fld id="{A38063CF-C432-401A-A6E3-D452963B02E3}" type="datetimeFigureOut">
               <a:rPr lang="fr-CH" smtClean="0"/>
-              <a:t>04.05.2018</a:t>
+              <a:t>12.05.2018</a:t>
             </a:fld>
             <a:endParaRPr lang="fr-CH"/>
           </a:p>
@@ -1721,7 +1726,7 @@
           <a:p>
             <a:fld id="{A38063CF-C432-401A-A6E3-D452963B02E3}" type="datetimeFigureOut">
               <a:rPr lang="fr-CH" smtClean="0"/>
-              <a:t>04.05.2018</a:t>
+              <a:t>12.05.2018</a:t>
             </a:fld>
             <a:endParaRPr lang="fr-CH"/>
           </a:p>
@@ -1816,7 +1821,7 @@
           <a:p>
             <a:fld id="{A38063CF-C432-401A-A6E3-D452963B02E3}" type="datetimeFigureOut">
               <a:rPr lang="fr-CH" smtClean="0"/>
-              <a:t>04.05.2018</a:t>
+              <a:t>12.05.2018</a:t>
             </a:fld>
             <a:endParaRPr lang="fr-CH"/>
           </a:p>
@@ -2093,7 +2098,7 @@
           <a:p>
             <a:fld id="{A38063CF-C432-401A-A6E3-D452963B02E3}" type="datetimeFigureOut">
               <a:rPr lang="fr-CH" smtClean="0"/>
-              <a:t>04.05.2018</a:t>
+              <a:t>12.05.2018</a:t>
             </a:fld>
             <a:endParaRPr lang="fr-CH"/>
           </a:p>
@@ -2346,7 +2351,7 @@
           <a:p>
             <a:fld id="{A38063CF-C432-401A-A6E3-D452963B02E3}" type="datetimeFigureOut">
               <a:rPr lang="fr-CH" smtClean="0"/>
-              <a:t>04.05.2018</a:t>
+              <a:t>12.05.2018</a:t>
             </a:fld>
             <a:endParaRPr lang="fr-CH"/>
           </a:p>
@@ -2559,7 +2564,7 @@
           <a:p>
             <a:fld id="{A38063CF-C432-401A-A6E3-D452963B02E3}" type="datetimeFigureOut">
               <a:rPr lang="fr-CH" smtClean="0"/>
-              <a:t>04.05.2018</a:t>
+              <a:t>12.05.2018</a:t>
             </a:fld>
             <a:endParaRPr lang="fr-CH"/>
           </a:p>
@@ -3242,8 +3247,8 @@
         </p:nvSpPr>
         <p:spPr>
           <a:xfrm>
-            <a:off x="1623328" y="1769009"/>
-            <a:ext cx="1690997" cy="2677656"/>
+            <a:off x="1257300" y="1769009"/>
+            <a:ext cx="2057025" cy="2862322"/>
           </a:xfrm>
           <a:prstGeom prst="rect">
             <a:avLst/>
@@ -3322,6 +3327,18 @@
           <a:p>
             <a:pPr algn="r"/>
             <a:r>
+              <a:rPr lang="fr-CH" sz="1200" dirty="0" err="1"/>
+              <a:t>p</a:t>
+            </a:r>
+            <a:r>
+              <a:rPr lang="fr-CH" sz="1200" dirty="0" err="1" smtClean="0"/>
+              <a:t>ostgis_change_chantier.php</a:t>
+            </a:r>
+            <a:endParaRPr lang="fr-CH" sz="1200" dirty="0" smtClean="0"/>
+          </a:p>
+          <a:p>
+            <a:pPr algn="r"/>
+            <a:r>
               <a:rPr lang="fr-CH" sz="1200" dirty="0" err="1" smtClean="0"/>
               <a:t>postgis_to_geojson.php</a:t>
             </a:r>
@@ -3373,7 +3390,7 @@
         <p:spPr>
           <a:xfrm>
             <a:off x="3770741" y="1769009"/>
-            <a:ext cx="1690997" cy="3046988"/>
+            <a:ext cx="2427543" cy="2492990"/>
           </a:xfrm>
           <a:prstGeom prst="rect">
             <a:avLst/>
@@ -3423,14 +3440,14 @@
           <a:p>
             <a:r>
               <a:rPr lang="fr-CH" sz="1200" dirty="0" err="1" smtClean="0"/>
+              <a:t>gestion_donnee.php</a:t>
+            </a:r>
+            <a:endParaRPr lang="fr-CH" sz="1200" dirty="0" smtClean="0"/>
+          </a:p>
+          <a:p>
+            <a:r>
+              <a:rPr lang="fr-CH" sz="1200" dirty="0" err="1" smtClean="0"/>
               <a:t>lecture_fichier.php</a:t>
-            </a:r>
-            <a:endParaRPr lang="fr-CH" sz="1200" dirty="0" smtClean="0"/>
-          </a:p>
-          <a:p>
-            <a:r>
-              <a:rPr lang="fr-CH" sz="1200" dirty="0" err="1" smtClean="0"/>
-              <a:t>tests_suisses.php</a:t>
             </a:r>
             <a:endParaRPr lang="fr-CH" sz="1200" dirty="0" smtClean="0"/>
           </a:p>

--- a/docs/Figure/figure-arboresence.pptx
+++ b/docs/Figure/figure-arboresence.pptx
@@ -243,7 +243,7 @@
           <a:p>
             <a:fld id="{A38063CF-C432-401A-A6E3-D452963B02E3}" type="datetimeFigureOut">
               <a:rPr lang="fr-CH" smtClean="0"/>
-              <a:t>12.05.2018</a:t>
+              <a:t>13.05.2018</a:t>
             </a:fld>
             <a:endParaRPr lang="fr-CH"/>
           </a:p>
@@ -413,7 +413,7 @@
           <a:p>
             <a:fld id="{A38063CF-C432-401A-A6E3-D452963B02E3}" type="datetimeFigureOut">
               <a:rPr lang="fr-CH" smtClean="0"/>
-              <a:t>12.05.2018</a:t>
+              <a:t>13.05.2018</a:t>
             </a:fld>
             <a:endParaRPr lang="fr-CH"/>
           </a:p>
@@ -593,7 +593,7 @@
           <a:p>
             <a:fld id="{A38063CF-C432-401A-A6E3-D452963B02E3}" type="datetimeFigureOut">
               <a:rPr lang="fr-CH" smtClean="0"/>
-              <a:t>12.05.2018</a:t>
+              <a:t>13.05.2018</a:t>
             </a:fld>
             <a:endParaRPr lang="fr-CH"/>
           </a:p>
@@ -763,7 +763,7 @@
           <a:p>
             <a:fld id="{A38063CF-C432-401A-A6E3-D452963B02E3}" type="datetimeFigureOut">
               <a:rPr lang="fr-CH" smtClean="0"/>
-              <a:t>12.05.2018</a:t>
+              <a:t>13.05.2018</a:t>
             </a:fld>
             <a:endParaRPr lang="fr-CH"/>
           </a:p>
@@ -1009,7 +1009,7 @@
           <a:p>
             <a:fld id="{A38063CF-C432-401A-A6E3-D452963B02E3}" type="datetimeFigureOut">
               <a:rPr lang="fr-CH" smtClean="0"/>
-              <a:t>12.05.2018</a:t>
+              <a:t>13.05.2018</a:t>
             </a:fld>
             <a:endParaRPr lang="fr-CH"/>
           </a:p>
@@ -1241,7 +1241,7 @@
           <a:p>
             <a:fld id="{A38063CF-C432-401A-A6E3-D452963B02E3}" type="datetimeFigureOut">
               <a:rPr lang="fr-CH" smtClean="0"/>
-              <a:t>12.05.2018</a:t>
+              <a:t>13.05.2018</a:t>
             </a:fld>
             <a:endParaRPr lang="fr-CH"/>
           </a:p>
@@ -1608,7 +1608,7 @@
           <a:p>
             <a:fld id="{A38063CF-C432-401A-A6E3-D452963B02E3}" type="datetimeFigureOut">
               <a:rPr lang="fr-CH" smtClean="0"/>
-              <a:t>12.05.2018</a:t>
+              <a:t>13.05.2018</a:t>
             </a:fld>
             <a:endParaRPr lang="fr-CH"/>
           </a:p>
@@ -1726,7 +1726,7 @@
           <a:p>
             <a:fld id="{A38063CF-C432-401A-A6E3-D452963B02E3}" type="datetimeFigureOut">
               <a:rPr lang="fr-CH" smtClean="0"/>
-              <a:t>12.05.2018</a:t>
+              <a:t>13.05.2018</a:t>
             </a:fld>
             <a:endParaRPr lang="fr-CH"/>
           </a:p>
@@ -1821,7 +1821,7 @@
           <a:p>
             <a:fld id="{A38063CF-C432-401A-A6E3-D452963B02E3}" type="datetimeFigureOut">
               <a:rPr lang="fr-CH" smtClean="0"/>
-              <a:t>12.05.2018</a:t>
+              <a:t>13.05.2018</a:t>
             </a:fld>
             <a:endParaRPr lang="fr-CH"/>
           </a:p>
@@ -2098,7 +2098,7 @@
           <a:p>
             <a:fld id="{A38063CF-C432-401A-A6E3-D452963B02E3}" type="datetimeFigureOut">
               <a:rPr lang="fr-CH" smtClean="0"/>
-              <a:t>12.05.2018</a:t>
+              <a:t>13.05.2018</a:t>
             </a:fld>
             <a:endParaRPr lang="fr-CH"/>
           </a:p>
@@ -2351,7 +2351,7 @@
           <a:p>
             <a:fld id="{A38063CF-C432-401A-A6E3-D452963B02E3}" type="datetimeFigureOut">
               <a:rPr lang="fr-CH" smtClean="0"/>
-              <a:t>12.05.2018</a:t>
+              <a:t>13.05.2018</a:t>
             </a:fld>
             <a:endParaRPr lang="fr-CH"/>
           </a:p>
@@ -2564,7 +2564,7 @@
           <a:p>
             <a:fld id="{A38063CF-C432-401A-A6E3-D452963B02E3}" type="datetimeFigureOut">
               <a:rPr lang="fr-CH" smtClean="0"/>
-              <a:t>12.05.2018</a:t>
+              <a:t>13.05.2018</a:t>
             </a:fld>
             <a:endParaRPr lang="fr-CH"/>
           </a:p>
@@ -2978,7 +2978,7 @@
         <p:spPr>
           <a:xfrm>
             <a:off x="866052" y="609597"/>
-            <a:ext cx="1858326" cy="276999"/>
+            <a:ext cx="1858326" cy="461665"/>
           </a:xfrm>
           <a:prstGeom prst="rect">
             <a:avLst/>
@@ -3001,7 +3001,15 @@
             </a:r>
             <a:r>
               <a:rPr lang="fr-CH" sz="1200" dirty="0" err="1" smtClean="0"/>
-              <a:t>session.php</a:t>
+              <a:t>geofs.php</a:t>
+            </a:r>
+            <a:r>
+              <a:rPr lang="fr-CH" sz="1200" dirty="0" smtClean="0"/>
+              <a:t>  gestion-</a:t>
+            </a:r>
+            <a:r>
+              <a:rPr lang="fr-CH" sz="1200" dirty="0" err="1" smtClean="0"/>
+              <a:t>compte.php</a:t>
             </a:r>
             <a:endParaRPr lang="fr-CH" sz="1200" dirty="0"/>
           </a:p>
@@ -3248,7 +3256,7 @@
         <p:spPr>
           <a:xfrm>
             <a:off x="1257300" y="1769009"/>
-            <a:ext cx="2057025" cy="2862322"/>
+            <a:ext cx="2057025" cy="3046988"/>
           </a:xfrm>
           <a:prstGeom prst="rect">
             <a:avLst/>
@@ -3264,14 +3272,6 @@
             <a:pPr algn="r"/>
             <a:r>
               <a:rPr lang="fr-CH" sz="1200" dirty="0" err="1" smtClean="0"/>
-              <a:t>accueil.php</a:t>
-            </a:r>
-            <a:endParaRPr lang="fr-CH" sz="1200" dirty="0" smtClean="0"/>
-          </a:p>
-          <a:p>
-            <a:pPr algn="r"/>
-            <a:r>
-              <a:rPr lang="fr-CH" sz="1200" dirty="0" err="1" smtClean="0"/>
               <a:t>change_coord.php</a:t>
             </a:r>
             <a:endParaRPr lang="fr-CH" sz="1200" dirty="0" smtClean="0"/>
@@ -3296,6 +3296,14 @@
             <a:pPr algn="r"/>
             <a:r>
               <a:rPr lang="fr-CH" sz="1200" dirty="0" err="1" smtClean="0"/>
+              <a:t>del_chantier.php</a:t>
+            </a:r>
+            <a:endParaRPr lang="fr-CH" sz="1200" dirty="0" smtClean="0"/>
+          </a:p>
+          <a:p>
+            <a:pPr algn="r"/>
+            <a:r>
+              <a:rPr lang="fr-CH" sz="1200" dirty="0" err="1" smtClean="0"/>
               <a:t>get_file_content.php</a:t>
             </a:r>
             <a:endParaRPr lang="fr-CH" sz="1200" dirty="0" smtClean="0"/>
@@ -3348,14 +3356,6 @@
             <a:pPr algn="r"/>
             <a:r>
               <a:rPr lang="fr-CH" sz="1200" dirty="0" err="1" smtClean="0"/>
-              <a:t>session.php</a:t>
-            </a:r>
-            <a:endParaRPr lang="fr-CH" sz="1200" dirty="0" smtClean="0"/>
-          </a:p>
-          <a:p>
-            <a:pPr algn="r"/>
-            <a:r>
-              <a:rPr lang="fr-CH" sz="1200" dirty="0" err="1" smtClean="0"/>
               <a:t>sess_controle.php</a:t>
             </a:r>
             <a:endParaRPr lang="fr-CH" sz="1200" dirty="0" smtClean="0"/>
@@ -3365,6 +3365,26 @@
             <a:r>
               <a:rPr lang="fr-CH" sz="1200" dirty="0" err="1" smtClean="0"/>
               <a:t>sess_create.php</a:t>
+            </a:r>
+            <a:endParaRPr lang="fr-CH" sz="1200" dirty="0" smtClean="0"/>
+          </a:p>
+          <a:p>
+            <a:pPr algn="r"/>
+            <a:r>
+              <a:rPr lang="fr-CH" sz="1200" dirty="0" err="1" smtClean="0"/>
+              <a:t>sess_temp.php</a:t>
+            </a:r>
+            <a:endParaRPr lang="fr-CH" sz="1200" dirty="0" smtClean="0"/>
+          </a:p>
+          <a:p>
+            <a:pPr algn="r"/>
+            <a:r>
+              <a:rPr lang="fr-CH" sz="1200" dirty="0" err="1" smtClean="0"/>
+              <a:t>uptdate</a:t>
+            </a:r>
+            <a:r>
+              <a:rPr lang="fr-CH" sz="1200" dirty="0" err="1" smtClean="0"/>
+              <a:t>_password.php</a:t>
             </a:r>
             <a:endParaRPr lang="fr-CH" sz="1200" dirty="0" smtClean="0"/>
           </a:p>
@@ -3593,8 +3613,8 @@
         </p:nvSpPr>
         <p:spPr>
           <a:xfrm>
-            <a:off x="5318542" y="1092046"/>
-            <a:ext cx="1690997" cy="646331"/>
+            <a:off x="5272930" y="1092046"/>
+            <a:ext cx="1690997" cy="1015663"/>
           </a:xfrm>
           <a:prstGeom prst="rect">
             <a:avLst/>
@@ -3609,8 +3629,21 @@
           <a:p>
             <a:r>
               <a:rPr lang="fr-CH" sz="1200" dirty="0" smtClean="0"/>
+              <a:t>accueil.js</a:t>
+            </a:r>
+          </a:p>
+          <a:p>
+            <a:r>
+              <a:rPr lang="fr-CH" sz="1200" dirty="0" smtClean="0"/>
               <a:t>controleur.js</a:t>
             </a:r>
+          </a:p>
+          <a:p>
+            <a:r>
+              <a:rPr lang="fr-CH" sz="1200" dirty="0" smtClean="0"/>
+              <a:t>fonction_auxiliaire.js</a:t>
+            </a:r>
+            <a:endParaRPr lang="fr-CH" sz="1200" dirty="0" smtClean="0"/>
           </a:p>
           <a:p>
             <a:r>
@@ -3648,7 +3681,7 @@
         </p:blipFill>
         <p:spPr>
           <a:xfrm>
-            <a:off x="6579283" y="458061"/>
+            <a:off x="6654700" y="458061"/>
             <a:ext cx="580074" cy="580074"/>
           </a:xfrm>
           <a:prstGeom prst="rect">
@@ -3664,7 +3697,7 @@
         </p:nvSpPr>
         <p:spPr>
           <a:xfrm>
-            <a:off x="6641067" y="609599"/>
+            <a:off x="6716484" y="609599"/>
             <a:ext cx="456505" cy="276999"/>
           </a:xfrm>
           <a:prstGeom prst="rect">
@@ -3695,8 +3728,8 @@
         </p:nvSpPr>
         <p:spPr>
           <a:xfrm>
-            <a:off x="6579284" y="1092046"/>
-            <a:ext cx="1050242" cy="1015663"/>
+            <a:off x="6654701" y="1092046"/>
+            <a:ext cx="1050242" cy="1384995"/>
           </a:xfrm>
           <a:prstGeom prst="rect">
             <a:avLst/>
@@ -3710,9 +3743,20 @@
           <a:lstStyle/>
           <a:p>
             <a:r>
+              <a:rPr lang="fr-CH" sz="1200" dirty="0"/>
+              <a:t>a</a:t>
+            </a:r>
+            <a:r>
+              <a:rPr lang="fr-CH" sz="1200" dirty="0" smtClean="0"/>
+              <a:t>ccueil.css</a:t>
+            </a:r>
+          </a:p>
+          <a:p>
+            <a:r>
               <a:rPr lang="fr-CH" sz="1200" dirty="0" smtClean="0"/>
               <a:t>anim.css</a:t>
             </a:r>
+            <a:endParaRPr lang="fr-CH" sz="1200" dirty="0" smtClean="0"/>
           </a:p>
           <a:p>
             <a:r>
@@ -3725,6 +3769,13 @@
               <a:rPr lang="fr-CH" sz="1200" dirty="0" smtClean="0"/>
               <a:t>style.css</a:t>
             </a:r>
+          </a:p>
+          <a:p>
+            <a:r>
+              <a:rPr lang="fr-CH" sz="1200" dirty="0" err="1" smtClean="0"/>
+              <a:t>style_gestion</a:t>
+            </a:r>
+            <a:endParaRPr lang="fr-CH" sz="1200" dirty="0" smtClean="0"/>
           </a:p>
           <a:p>
             <a:r>
@@ -3762,7 +3813,7 @@
         </p:blipFill>
         <p:spPr>
           <a:xfrm>
-            <a:off x="7712759" y="458061"/>
+            <a:off x="7788176" y="458061"/>
             <a:ext cx="580074" cy="580074"/>
           </a:xfrm>
           <a:prstGeom prst="rect">
@@ -3778,7 +3829,7 @@
         </p:nvSpPr>
         <p:spPr>
           <a:xfrm>
-            <a:off x="7712759" y="609598"/>
+            <a:off x="7788176" y="609598"/>
             <a:ext cx="636032" cy="276999"/>
           </a:xfrm>
           <a:prstGeom prst="rect">
@@ -3809,7 +3860,7 @@
         </p:nvSpPr>
         <p:spPr>
           <a:xfrm>
-            <a:off x="7712760" y="1092046"/>
+            <a:off x="7788177" y="1092046"/>
             <a:ext cx="1107390" cy="1015663"/>
           </a:xfrm>
           <a:prstGeom prst="rect">
@@ -3887,7 +3938,7 @@
         </p:blipFill>
         <p:spPr>
           <a:xfrm>
-            <a:off x="8902192" y="458061"/>
+            <a:off x="8977609" y="458061"/>
             <a:ext cx="580074" cy="580074"/>
           </a:xfrm>
           <a:prstGeom prst="rect">
@@ -3903,7 +3954,7 @@
         </p:nvSpPr>
         <p:spPr>
           <a:xfrm>
-            <a:off x="8902192" y="609598"/>
+            <a:off x="8977609" y="609598"/>
             <a:ext cx="636032" cy="276999"/>
           </a:xfrm>
           <a:prstGeom prst="rect">
@@ -3934,8 +3985,8 @@
         </p:nvSpPr>
         <p:spPr>
           <a:xfrm>
-            <a:off x="8902192" y="1092046"/>
-            <a:ext cx="1194307" cy="1754326"/>
+            <a:off x="8977609" y="1092046"/>
+            <a:ext cx="1194307" cy="2862322"/>
           </a:xfrm>
           <a:prstGeom prst="rect">
             <a:avLst/>
@@ -3974,6 +4025,17 @@
           </a:p>
           <a:p>
             <a:r>
+              <a:rPr lang="fr-CH" sz="1200" dirty="0" err="1"/>
+              <a:t>g</a:t>
+            </a:r>
+            <a:r>
+              <a:rPr lang="fr-CH" sz="1200" dirty="0" err="1" smtClean="0"/>
+              <a:t>eofs.php</a:t>
+            </a:r>
+            <a:endParaRPr lang="fr-CH" sz="1200" dirty="0" smtClean="0"/>
+          </a:p>
+          <a:p>
+            <a:r>
               <a:rPr lang="fr-CH" sz="1200" dirty="0" smtClean="0"/>
               <a:t>heig.png</a:t>
             </a:r>
@@ -3987,6 +4049,13 @@
           <a:p>
             <a:r>
               <a:rPr lang="fr-CH" sz="1200" dirty="0" smtClean="0"/>
+              <a:t>home.png</a:t>
+            </a:r>
+            <a:endParaRPr lang="fr-CH" sz="1200" dirty="0" smtClean="0"/>
+          </a:p>
+          <a:p>
+            <a:r>
+              <a:rPr lang="fr-CH" sz="1200" dirty="0" smtClean="0"/>
               <a:t>logo.png</a:t>
             </a:r>
           </a:p>
@@ -3998,9 +4067,47 @@
           </a:p>
           <a:p>
             <a:r>
+              <a:rPr lang="fr-CH" sz="1200" dirty="0"/>
+              <a:t>s</a:t>
+            </a:r>
+            <a:r>
+              <a:rPr lang="fr-CH" sz="1200" dirty="0" smtClean="0"/>
+              <a:t>upp.jpg</a:t>
+            </a:r>
+            <a:endParaRPr lang="fr-CH" sz="1200" dirty="0" smtClean="0"/>
+          </a:p>
+          <a:p>
+            <a:r>
               <a:rPr lang="fr-CH" sz="1200" dirty="0" smtClean="0"/>
               <a:t>terre.png</a:t>
             </a:r>
+          </a:p>
+          <a:p>
+            <a:r>
+              <a:rPr lang="fr-CH" sz="1200" dirty="0"/>
+              <a:t>t</a:t>
+            </a:r>
+            <a:r>
+              <a:rPr lang="fr-CH" sz="1200" dirty="0" smtClean="0"/>
+              <a:t>erre.png</a:t>
+            </a:r>
+          </a:p>
+          <a:p>
+            <a:r>
+              <a:rPr lang="fr-CH" sz="1200" dirty="0"/>
+              <a:t>t</a:t>
+            </a:r>
+            <a:r>
+              <a:rPr lang="fr-CH" sz="1200" dirty="0" smtClean="0"/>
+              <a:t>ransfo_pts.png</a:t>
+            </a:r>
+          </a:p>
+          <a:p>
+            <a:r>
+              <a:rPr lang="fr-CH" sz="1200" dirty="0" smtClean="0"/>
+              <a:t>visu_pts.png</a:t>
+            </a:r>
+            <a:endParaRPr lang="fr-CH" sz="1200" dirty="0" smtClean="0"/>
           </a:p>
         </p:txBody>
       </p:sp>
@@ -4026,7 +4133,7 @@
         </p:blipFill>
         <p:spPr>
           <a:xfrm>
-            <a:off x="10091625" y="458061"/>
+            <a:off x="10167042" y="458061"/>
             <a:ext cx="580074" cy="580074"/>
           </a:xfrm>
           <a:prstGeom prst="rect">
@@ -4042,7 +4149,7 @@
         </p:nvSpPr>
         <p:spPr>
           <a:xfrm>
-            <a:off x="10091625" y="609598"/>
+            <a:off x="10167042" y="609598"/>
             <a:ext cx="636032" cy="276999"/>
           </a:xfrm>
           <a:prstGeom prst="rect">
@@ -4073,7 +4180,7 @@
         </p:nvSpPr>
         <p:spPr>
           <a:xfrm>
-            <a:off x="10091625" y="1092046"/>
+            <a:off x="10167042" y="1092046"/>
             <a:ext cx="1519350" cy="1384995"/>
           </a:xfrm>
           <a:prstGeom prst="rect">
